--- a/4TH YEAR PROJECT PPT.pptx
+++ b/4TH YEAR PROJECT PPT.pptx
@@ -250,7 +250,7 @@
           <a:p>
             <a:fld id="{4FE70659-EE5A-4FB0-8FEF-3F1B6E6A34C1}" type="datetimeFigureOut">
               <a:rPr lang="en-IN" smtClean="0"/>
-              <a:t>08-05-2020</a:t>
+              <a:t>10-05-2020</a:t>
             </a:fld>
             <a:endParaRPr lang="en-IN"/>
           </a:p>
@@ -901,7 +901,7 @@
           <a:p>
             <a:fld id="{3CBDF683-5CCB-43AB-A9CC-5533586CB608}" type="datetimeFigureOut">
               <a:rPr lang="en-IN" smtClean="0"/>
-              <a:t>08-05-2020</a:t>
+              <a:t>10-05-2020</a:t>
             </a:fld>
             <a:endParaRPr lang="en-IN"/>
           </a:p>
@@ -959,14 +959,14 @@
   <p:clrMapOvr>
     <a:masterClrMapping/>
   </p:clrMapOvr>
-  <mc:AlternateContent xmlns:mc="http://schemas.openxmlformats.org/markup-compatibility/2006" xmlns:p14="http://schemas.microsoft.com/office/powerpoint/2010/main">
-    <mc:Choice Requires="p14">
-      <p:transition spd="slow" p14:dur="3400" advTm="3000">
+  <mc:AlternateContent xmlns:mc="http://schemas.openxmlformats.org/markup-compatibility/2006">
+    <mc:Choice xmlns:p14="http://schemas.microsoft.com/office/powerpoint/2010/main" Requires="p14">
+      <p:transition spd="slow" p14:dur="3400">
         <p14:reveal/>
       </p:transition>
     </mc:Choice>
-    <mc:Fallback xmlns="">
-      <p:transition spd="slow" advTm="3000">
+    <mc:Fallback>
+      <p:transition spd="slow">
         <p:fade/>
       </p:transition>
     </mc:Fallback>
@@ -1083,7 +1083,7 @@
           <a:p>
             <a:fld id="{3CBDF683-5CCB-43AB-A9CC-5533586CB608}" type="datetimeFigureOut">
               <a:rPr lang="en-IN" smtClean="0"/>
-              <a:t>08-05-2020</a:t>
+              <a:t>10-05-2020</a:t>
             </a:fld>
             <a:endParaRPr lang="en-IN"/>
           </a:p>
@@ -1141,14 +1141,14 @@
   <p:clrMapOvr>
     <a:masterClrMapping/>
   </p:clrMapOvr>
-  <mc:AlternateContent xmlns:mc="http://schemas.openxmlformats.org/markup-compatibility/2006" xmlns:p14="http://schemas.microsoft.com/office/powerpoint/2010/main">
-    <mc:Choice Requires="p14">
-      <p:transition spd="slow" p14:dur="3400" advTm="3000">
+  <mc:AlternateContent xmlns:mc="http://schemas.openxmlformats.org/markup-compatibility/2006">
+    <mc:Choice xmlns:p14="http://schemas.microsoft.com/office/powerpoint/2010/main" Requires="p14">
+      <p:transition spd="slow" p14:dur="3400">
         <p14:reveal/>
       </p:transition>
     </mc:Choice>
-    <mc:Fallback xmlns="">
-      <p:transition spd="slow" advTm="3000">
+    <mc:Fallback>
+      <p:transition spd="slow">
         <p:fade/>
       </p:transition>
     </mc:Fallback>
@@ -1275,7 +1275,7 @@
           <a:p>
             <a:fld id="{3CBDF683-5CCB-43AB-A9CC-5533586CB608}" type="datetimeFigureOut">
               <a:rPr lang="en-IN" smtClean="0"/>
-              <a:t>08-05-2020</a:t>
+              <a:t>10-05-2020</a:t>
             </a:fld>
             <a:endParaRPr lang="en-IN"/>
           </a:p>
@@ -1333,14 +1333,14 @@
   <p:clrMapOvr>
     <a:masterClrMapping/>
   </p:clrMapOvr>
-  <mc:AlternateContent xmlns:mc="http://schemas.openxmlformats.org/markup-compatibility/2006" xmlns:p14="http://schemas.microsoft.com/office/powerpoint/2010/main">
-    <mc:Choice Requires="p14">
-      <p:transition spd="slow" p14:dur="3400" advTm="3000">
+  <mc:AlternateContent xmlns:mc="http://schemas.openxmlformats.org/markup-compatibility/2006">
+    <mc:Choice xmlns:p14="http://schemas.microsoft.com/office/powerpoint/2010/main" Requires="p14">
+      <p:transition spd="slow" p14:dur="3400">
         <p14:reveal/>
       </p:transition>
     </mc:Choice>
-    <mc:Fallback xmlns="">
-      <p:transition spd="slow" advTm="3000">
+    <mc:Fallback>
+      <p:transition spd="slow">
         <p:fade/>
       </p:transition>
     </mc:Fallback>
@@ -1457,7 +1457,7 @@
           <a:p>
             <a:fld id="{3CBDF683-5CCB-43AB-A9CC-5533586CB608}" type="datetimeFigureOut">
               <a:rPr lang="en-IN" smtClean="0"/>
-              <a:t>08-05-2020</a:t>
+              <a:t>10-05-2020</a:t>
             </a:fld>
             <a:endParaRPr lang="en-IN"/>
           </a:p>
@@ -1515,14 +1515,14 @@
   <p:clrMapOvr>
     <a:masterClrMapping/>
   </p:clrMapOvr>
-  <mc:AlternateContent xmlns:mc="http://schemas.openxmlformats.org/markup-compatibility/2006" xmlns:p14="http://schemas.microsoft.com/office/powerpoint/2010/main">
-    <mc:Choice Requires="p14">
-      <p:transition spd="slow" p14:dur="3400" advTm="3000">
+  <mc:AlternateContent xmlns:mc="http://schemas.openxmlformats.org/markup-compatibility/2006">
+    <mc:Choice xmlns:p14="http://schemas.microsoft.com/office/powerpoint/2010/main" Requires="p14">
+      <p:transition spd="slow" p14:dur="3400">
         <p14:reveal/>
       </p:transition>
     </mc:Choice>
-    <mc:Fallback xmlns="">
-      <p:transition spd="slow" advTm="3000">
+    <mc:Fallback>
+      <p:transition spd="slow">
         <p:fade/>
       </p:transition>
     </mc:Fallback>
@@ -1715,7 +1715,7 @@
           <a:p>
             <a:fld id="{3CBDF683-5CCB-43AB-A9CC-5533586CB608}" type="datetimeFigureOut">
               <a:rPr lang="en-IN" smtClean="0"/>
-              <a:t>08-05-2020</a:t>
+              <a:t>10-05-2020</a:t>
             </a:fld>
             <a:endParaRPr lang="en-IN"/>
           </a:p>
@@ -1773,14 +1773,14 @@
   <p:clrMapOvr>
     <a:masterClrMapping/>
   </p:clrMapOvr>
-  <mc:AlternateContent xmlns:mc="http://schemas.openxmlformats.org/markup-compatibility/2006" xmlns:p14="http://schemas.microsoft.com/office/powerpoint/2010/main">
-    <mc:Choice Requires="p14">
-      <p:transition spd="slow" p14:dur="3400" advTm="3000">
+  <mc:AlternateContent xmlns:mc="http://schemas.openxmlformats.org/markup-compatibility/2006">
+    <mc:Choice xmlns:p14="http://schemas.microsoft.com/office/powerpoint/2010/main" Requires="p14">
+      <p:transition spd="slow" p14:dur="3400">
         <p14:reveal/>
       </p:transition>
     </mc:Choice>
-    <mc:Fallback xmlns="">
-      <p:transition spd="slow" advTm="3000">
+    <mc:Fallback>
+      <p:transition spd="slow">
         <p:fade/>
       </p:transition>
     </mc:Fallback>
@@ -1959,7 +1959,7 @@
           <a:p>
             <a:fld id="{3CBDF683-5CCB-43AB-A9CC-5533586CB608}" type="datetimeFigureOut">
               <a:rPr lang="en-IN" smtClean="0"/>
-              <a:t>08-05-2020</a:t>
+              <a:t>10-05-2020</a:t>
             </a:fld>
             <a:endParaRPr lang="en-IN"/>
           </a:p>
@@ -2017,14 +2017,14 @@
   <p:clrMapOvr>
     <a:masterClrMapping/>
   </p:clrMapOvr>
-  <mc:AlternateContent xmlns:mc="http://schemas.openxmlformats.org/markup-compatibility/2006" xmlns:p14="http://schemas.microsoft.com/office/powerpoint/2010/main">
-    <mc:Choice Requires="p14">
-      <p:transition spd="slow" p14:dur="3400" advTm="3000">
+  <mc:AlternateContent xmlns:mc="http://schemas.openxmlformats.org/markup-compatibility/2006">
+    <mc:Choice xmlns:p14="http://schemas.microsoft.com/office/powerpoint/2010/main" Requires="p14">
+      <p:transition spd="slow" p14:dur="3400">
         <p14:reveal/>
       </p:transition>
     </mc:Choice>
-    <mc:Fallback xmlns="">
-      <p:transition spd="slow" advTm="3000">
+    <mc:Fallback>
+      <p:transition spd="slow">
         <p:fade/>
       </p:transition>
     </mc:Fallback>
@@ -2338,7 +2338,7 @@
           <a:p>
             <a:fld id="{3CBDF683-5CCB-43AB-A9CC-5533586CB608}" type="datetimeFigureOut">
               <a:rPr lang="en-IN" smtClean="0"/>
-              <a:t>08-05-2020</a:t>
+              <a:t>10-05-2020</a:t>
             </a:fld>
             <a:endParaRPr lang="en-IN"/>
           </a:p>
@@ -2396,14 +2396,14 @@
   <p:clrMapOvr>
     <a:masterClrMapping/>
   </p:clrMapOvr>
-  <mc:AlternateContent xmlns:mc="http://schemas.openxmlformats.org/markup-compatibility/2006" xmlns:p14="http://schemas.microsoft.com/office/powerpoint/2010/main">
-    <mc:Choice Requires="p14">
-      <p:transition spd="slow" p14:dur="3400" advTm="3000">
+  <mc:AlternateContent xmlns:mc="http://schemas.openxmlformats.org/markup-compatibility/2006">
+    <mc:Choice xmlns:p14="http://schemas.microsoft.com/office/powerpoint/2010/main" Requires="p14">
+      <p:transition spd="slow" p14:dur="3400">
         <p14:reveal/>
       </p:transition>
     </mc:Choice>
-    <mc:Fallback xmlns="">
-      <p:transition spd="slow" advTm="3000">
+    <mc:Fallback>
+      <p:transition spd="slow">
         <p:fade/>
       </p:transition>
     </mc:Fallback>
@@ -2468,7 +2468,7 @@
           <a:p>
             <a:fld id="{3CBDF683-5CCB-43AB-A9CC-5533586CB608}" type="datetimeFigureOut">
               <a:rPr lang="en-IN" smtClean="0"/>
-              <a:t>08-05-2020</a:t>
+              <a:t>10-05-2020</a:t>
             </a:fld>
             <a:endParaRPr lang="en-IN"/>
           </a:p>
@@ -2526,14 +2526,14 @@
   <p:clrMapOvr>
     <a:masterClrMapping/>
   </p:clrMapOvr>
-  <mc:AlternateContent xmlns:mc="http://schemas.openxmlformats.org/markup-compatibility/2006" xmlns:p14="http://schemas.microsoft.com/office/powerpoint/2010/main">
-    <mc:Choice Requires="p14">
-      <p:transition spd="slow" p14:dur="3400" advTm="3000">
+  <mc:AlternateContent xmlns:mc="http://schemas.openxmlformats.org/markup-compatibility/2006">
+    <mc:Choice xmlns:p14="http://schemas.microsoft.com/office/powerpoint/2010/main" Requires="p14">
+      <p:transition spd="slow" p14:dur="3400">
         <p14:reveal/>
       </p:transition>
     </mc:Choice>
-    <mc:Fallback xmlns="">
-      <p:transition spd="slow" advTm="3000">
+    <mc:Fallback>
+      <p:transition spd="slow">
         <p:fade/>
       </p:transition>
     </mc:Fallback>
@@ -2575,7 +2575,7 @@
           <a:p>
             <a:fld id="{3CBDF683-5CCB-43AB-A9CC-5533586CB608}" type="datetimeFigureOut">
               <a:rPr lang="en-IN" smtClean="0"/>
-              <a:t>08-05-2020</a:t>
+              <a:t>10-05-2020</a:t>
             </a:fld>
             <a:endParaRPr lang="en-IN"/>
           </a:p>
@@ -2633,14 +2633,14 @@
   <p:clrMapOvr>
     <a:masterClrMapping/>
   </p:clrMapOvr>
-  <mc:AlternateContent xmlns:mc="http://schemas.openxmlformats.org/markup-compatibility/2006" xmlns:p14="http://schemas.microsoft.com/office/powerpoint/2010/main">
-    <mc:Choice Requires="p14">
-      <p:transition spd="slow" p14:dur="3400" advTm="3000">
+  <mc:AlternateContent xmlns:mc="http://schemas.openxmlformats.org/markup-compatibility/2006">
+    <mc:Choice xmlns:p14="http://schemas.microsoft.com/office/powerpoint/2010/main" Requires="p14">
+      <p:transition spd="slow" p14:dur="3400">
         <p14:reveal/>
       </p:transition>
     </mc:Choice>
-    <mc:Fallback xmlns="">
-      <p:transition spd="slow" advTm="3000">
+    <mc:Fallback>
+      <p:transition spd="slow">
         <p:fade/>
       </p:transition>
     </mc:Fallback>
@@ -2864,7 +2864,7 @@
           <a:p>
             <a:fld id="{3CBDF683-5CCB-43AB-A9CC-5533586CB608}" type="datetimeFigureOut">
               <a:rPr lang="en-IN" smtClean="0"/>
-              <a:t>08-05-2020</a:t>
+              <a:t>10-05-2020</a:t>
             </a:fld>
             <a:endParaRPr lang="en-IN"/>
           </a:p>
@@ -2922,14 +2922,14 @@
   <p:clrMapOvr>
     <a:masterClrMapping/>
   </p:clrMapOvr>
-  <mc:AlternateContent xmlns:mc="http://schemas.openxmlformats.org/markup-compatibility/2006" xmlns:p14="http://schemas.microsoft.com/office/powerpoint/2010/main">
-    <mc:Choice Requires="p14">
-      <p:transition spd="slow" p14:dur="3400" advTm="3000">
+  <mc:AlternateContent xmlns:mc="http://schemas.openxmlformats.org/markup-compatibility/2006">
+    <mc:Choice xmlns:p14="http://schemas.microsoft.com/office/powerpoint/2010/main" Requires="p14">
+      <p:transition spd="slow" p14:dur="3400">
         <p14:reveal/>
       </p:transition>
     </mc:Choice>
-    <mc:Fallback xmlns="">
-      <p:transition spd="slow" advTm="3000">
+    <mc:Fallback>
+      <p:transition spd="slow">
         <p:fade/>
       </p:transition>
     </mc:Fallback>
@@ -3133,7 +3133,7 @@
           <a:p>
             <a:fld id="{3CBDF683-5CCB-43AB-A9CC-5533586CB608}" type="datetimeFigureOut">
               <a:rPr lang="en-IN" smtClean="0"/>
-              <a:t>08-05-2020</a:t>
+              <a:t>10-05-2020</a:t>
             </a:fld>
             <a:endParaRPr lang="en-IN"/>
           </a:p>
@@ -3191,14 +3191,14 @@
   <p:clrMapOvr>
     <a:masterClrMapping/>
   </p:clrMapOvr>
-  <mc:AlternateContent xmlns:mc="http://schemas.openxmlformats.org/markup-compatibility/2006" xmlns:p14="http://schemas.microsoft.com/office/powerpoint/2010/main">
-    <mc:Choice Requires="p14">
-      <p:transition spd="slow" p14:dur="3400" advTm="3000">
+  <mc:AlternateContent xmlns:mc="http://schemas.openxmlformats.org/markup-compatibility/2006">
+    <mc:Choice xmlns:p14="http://schemas.microsoft.com/office/powerpoint/2010/main" Requires="p14">
+      <p:transition spd="slow" p14:dur="3400">
         <p14:reveal/>
       </p:transition>
     </mc:Choice>
-    <mc:Fallback xmlns="">
-      <p:transition spd="slow" advTm="3000">
+    <mc:Fallback>
+      <p:transition spd="slow">
         <p:fade/>
       </p:transition>
     </mc:Fallback>
@@ -3358,7 +3358,7 @@
           <a:p>
             <a:fld id="{3CBDF683-5CCB-43AB-A9CC-5533586CB608}" type="datetimeFigureOut">
               <a:rPr lang="en-IN" smtClean="0"/>
-              <a:t>08-05-2020</a:t>
+              <a:t>10-05-2020</a:t>
             </a:fld>
             <a:endParaRPr lang="en-IN"/>
           </a:p>
@@ -3463,14 +3463,14 @@
     <p:sldLayoutId id="2147483718" r:id="rId10"/>
     <p:sldLayoutId id="2147483719" r:id="rId11"/>
   </p:sldLayoutIdLst>
-  <mc:AlternateContent xmlns:mc="http://schemas.openxmlformats.org/markup-compatibility/2006" xmlns:p14="http://schemas.microsoft.com/office/powerpoint/2010/main">
-    <mc:Choice Requires="p14">
-      <p:transition spd="slow" p14:dur="3400" advTm="3000">
+  <mc:AlternateContent xmlns:mc="http://schemas.openxmlformats.org/markup-compatibility/2006">
+    <mc:Choice xmlns:p14="http://schemas.microsoft.com/office/powerpoint/2010/main" Requires="p14">
+      <p:transition spd="slow" p14:dur="3400">
         <p14:reveal/>
       </p:transition>
     </mc:Choice>
-    <mc:Fallback xmlns="">
-      <p:transition spd="slow" advTm="3000">
+    <mc:Fallback>
+      <p:transition spd="slow">
         <p:fade/>
       </p:transition>
     </mc:Fallback>
@@ -3893,14 +3893,14 @@
   <p:clrMapOvr>
     <a:masterClrMapping/>
   </p:clrMapOvr>
-  <mc:AlternateContent xmlns:mc="http://schemas.openxmlformats.org/markup-compatibility/2006" xmlns:p14="http://schemas.microsoft.com/office/powerpoint/2010/main">
-    <mc:Choice Requires="p14">
-      <p:transition spd="slow" p14:dur="3400" advTm="3000">
+  <mc:AlternateContent xmlns:mc="http://schemas.openxmlformats.org/markup-compatibility/2006">
+    <mc:Choice xmlns:p14="http://schemas.microsoft.com/office/powerpoint/2010/main" Requires="p14">
+      <p:transition spd="slow" p14:dur="3400">
         <p14:reveal/>
       </p:transition>
     </mc:Choice>
-    <mc:Fallback xmlns="">
-      <p:transition spd="slow" advTm="3000">
+    <mc:Fallback>
+      <p:transition spd="slow">
         <p:fade/>
       </p:transition>
     </mc:Fallback>
@@ -3984,14 +3984,14 @@
   <p:clrMapOvr>
     <a:masterClrMapping/>
   </p:clrMapOvr>
-  <mc:AlternateContent xmlns:mc="http://schemas.openxmlformats.org/markup-compatibility/2006" xmlns:p14="http://schemas.microsoft.com/office/powerpoint/2010/main">
-    <mc:Choice Requires="p14">
-      <p:transition spd="slow" p14:dur="3400" advTm="3000">
+  <mc:AlternateContent xmlns:mc="http://schemas.openxmlformats.org/markup-compatibility/2006">
+    <mc:Choice xmlns:p14="http://schemas.microsoft.com/office/powerpoint/2010/main" Requires="p14">
+      <p:transition spd="slow" p14:dur="3400">
         <p14:reveal/>
       </p:transition>
     </mc:Choice>
-    <mc:Fallback xmlns="">
-      <p:transition spd="slow" advTm="3000">
+    <mc:Fallback>
+      <p:transition spd="slow">
         <p:fade/>
       </p:transition>
     </mc:Fallback>
@@ -4075,14 +4075,14 @@
   <p:clrMapOvr>
     <a:masterClrMapping/>
   </p:clrMapOvr>
-  <mc:AlternateContent xmlns:mc="http://schemas.openxmlformats.org/markup-compatibility/2006" xmlns:p14="http://schemas.microsoft.com/office/powerpoint/2010/main">
-    <mc:Choice Requires="p14">
-      <p:transition spd="slow" p14:dur="3400" advTm="3000">
+  <mc:AlternateContent xmlns:mc="http://schemas.openxmlformats.org/markup-compatibility/2006">
+    <mc:Choice xmlns:p14="http://schemas.microsoft.com/office/powerpoint/2010/main" Requires="p14">
+      <p:transition spd="slow" p14:dur="3400">
         <p14:reveal/>
       </p:transition>
     </mc:Choice>
-    <mc:Fallback xmlns="">
-      <p:transition spd="slow" advTm="3000">
+    <mc:Fallback>
+      <p:transition spd="slow">
         <p:fade/>
       </p:transition>
     </mc:Fallback>
@@ -4304,14 +4304,14 @@
   <p:clrMapOvr>
     <a:masterClrMapping/>
   </p:clrMapOvr>
-  <mc:AlternateContent xmlns:mc="http://schemas.openxmlformats.org/markup-compatibility/2006" xmlns:p14="http://schemas.microsoft.com/office/powerpoint/2010/main">
-    <mc:Choice Requires="p14">
-      <p:transition spd="slow" p14:dur="3400" advTm="3000">
+  <mc:AlternateContent xmlns:mc="http://schemas.openxmlformats.org/markup-compatibility/2006">
+    <mc:Choice xmlns:p14="http://schemas.microsoft.com/office/powerpoint/2010/main" Requires="p14">
+      <p:transition spd="slow" p14:dur="3400">
         <p14:reveal/>
       </p:transition>
     </mc:Choice>
-    <mc:Fallback xmlns="">
-      <p:transition spd="slow" advTm="3000">
+    <mc:Fallback>
+      <p:transition spd="slow">
         <p:fade/>
       </p:transition>
     </mc:Fallback>
@@ -4490,14 +4490,14 @@
   <p:clrMapOvr>
     <a:masterClrMapping/>
   </p:clrMapOvr>
-  <mc:AlternateContent xmlns:mc="http://schemas.openxmlformats.org/markup-compatibility/2006" xmlns:p14="http://schemas.microsoft.com/office/powerpoint/2010/main">
-    <mc:Choice Requires="p14">
-      <p:transition spd="slow" p14:dur="3400" advTm="3000">
+  <mc:AlternateContent xmlns:mc="http://schemas.openxmlformats.org/markup-compatibility/2006">
+    <mc:Choice xmlns:p14="http://schemas.microsoft.com/office/powerpoint/2010/main" Requires="p14">
+      <p:transition spd="slow" p14:dur="3400">
         <p14:reveal/>
       </p:transition>
     </mc:Choice>
-    <mc:Fallback xmlns="">
-      <p:transition spd="slow" advTm="3000">
+    <mc:Fallback>
+      <p:transition spd="slow">
         <p:fade/>
       </p:transition>
     </mc:Fallback>
@@ -4658,14 +4658,14 @@
   <p:clrMapOvr>
     <a:masterClrMapping/>
   </p:clrMapOvr>
-  <mc:AlternateContent xmlns:mc="http://schemas.openxmlformats.org/markup-compatibility/2006" xmlns:p14="http://schemas.microsoft.com/office/powerpoint/2010/main">
-    <mc:Choice Requires="p14">
-      <p:transition spd="slow" p14:dur="3400" advTm="3000">
+  <mc:AlternateContent xmlns:mc="http://schemas.openxmlformats.org/markup-compatibility/2006">
+    <mc:Choice xmlns:p14="http://schemas.microsoft.com/office/powerpoint/2010/main" Requires="p14">
+      <p:transition spd="slow" p14:dur="3400">
         <p14:reveal/>
       </p:transition>
     </mc:Choice>
-    <mc:Fallback xmlns="">
-      <p:transition spd="slow" advTm="3000">
+    <mc:Fallback>
+      <p:transition spd="slow">
         <p:fade/>
       </p:transition>
     </mc:Fallback>
@@ -4802,14 +4802,14 @@
   <p:clrMapOvr>
     <a:masterClrMapping/>
   </p:clrMapOvr>
-  <mc:AlternateContent xmlns:mc="http://schemas.openxmlformats.org/markup-compatibility/2006" xmlns:p14="http://schemas.microsoft.com/office/powerpoint/2010/main">
-    <mc:Choice Requires="p14">
-      <p:transition spd="slow" p14:dur="3400" advTm="3000">
+  <mc:AlternateContent xmlns:mc="http://schemas.openxmlformats.org/markup-compatibility/2006">
+    <mc:Choice xmlns:p14="http://schemas.microsoft.com/office/powerpoint/2010/main" Requires="p14">
+      <p:transition spd="slow" p14:dur="3400">
         <p14:reveal/>
       </p:transition>
     </mc:Choice>
-    <mc:Fallback xmlns="">
-      <p:transition spd="slow" advTm="3000">
+    <mc:Fallback>
+      <p:transition spd="slow">
         <p:fade/>
       </p:transition>
     </mc:Fallback>
@@ -5187,14 +5187,14 @@
   <p:clrMapOvr>
     <a:masterClrMapping/>
   </p:clrMapOvr>
-  <mc:AlternateContent xmlns:mc="http://schemas.openxmlformats.org/markup-compatibility/2006" xmlns:p14="http://schemas.microsoft.com/office/powerpoint/2010/main">
-    <mc:Choice Requires="p14">
-      <p:transition spd="slow" p14:dur="3400" advTm="3000">
+  <mc:AlternateContent xmlns:mc="http://schemas.openxmlformats.org/markup-compatibility/2006">
+    <mc:Choice xmlns:p14="http://schemas.microsoft.com/office/powerpoint/2010/main" Requires="p14">
+      <p:transition spd="slow" p14:dur="3400">
         <p14:reveal/>
       </p:transition>
     </mc:Choice>
-    <mc:Fallback xmlns="">
-      <p:transition spd="slow" advTm="3000">
+    <mc:Fallback>
+      <p:transition spd="slow">
         <p:fade/>
       </p:transition>
     </mc:Fallback>
@@ -5379,14 +5379,14 @@
   <p:clrMapOvr>
     <a:masterClrMapping/>
   </p:clrMapOvr>
-  <mc:AlternateContent xmlns:mc="http://schemas.openxmlformats.org/markup-compatibility/2006" xmlns:p14="http://schemas.microsoft.com/office/powerpoint/2010/main">
-    <mc:Choice Requires="p14">
-      <p:transition spd="slow" p14:dur="3400" advTm="3000">
+  <mc:AlternateContent xmlns:mc="http://schemas.openxmlformats.org/markup-compatibility/2006">
+    <mc:Choice xmlns:p14="http://schemas.microsoft.com/office/powerpoint/2010/main" Requires="p14">
+      <p:transition spd="slow" p14:dur="3400">
         <p14:reveal/>
       </p:transition>
     </mc:Choice>
-    <mc:Fallback xmlns="">
-      <p:transition spd="slow" advTm="3000">
+    <mc:Fallback>
+      <p:transition spd="slow">
         <p:fade/>
       </p:transition>
     </mc:Fallback>
@@ -5450,14 +5450,14 @@
   <p:clrMapOvr>
     <a:masterClrMapping/>
   </p:clrMapOvr>
-  <mc:AlternateContent xmlns:mc="http://schemas.openxmlformats.org/markup-compatibility/2006" xmlns:p14="http://schemas.microsoft.com/office/powerpoint/2010/main">
-    <mc:Choice Requires="p14">
-      <p:transition spd="slow" p14:dur="3400" advTm="3000">
+  <mc:AlternateContent xmlns:mc="http://schemas.openxmlformats.org/markup-compatibility/2006">
+    <mc:Choice xmlns:p14="http://schemas.microsoft.com/office/powerpoint/2010/main" Requires="p14">
+      <p:transition spd="slow" p14:dur="3400">
         <p14:reveal/>
       </p:transition>
     </mc:Choice>
-    <mc:Fallback xmlns="">
-      <p:transition spd="slow" advTm="3000">
+    <mc:Fallback>
+      <p:transition spd="slow">
         <p:fade/>
       </p:transition>
     </mc:Fallback>
@@ -5614,14 +5614,14 @@
   <p:clrMapOvr>
     <a:masterClrMapping/>
   </p:clrMapOvr>
-  <mc:AlternateContent xmlns:mc="http://schemas.openxmlformats.org/markup-compatibility/2006" xmlns:p14="http://schemas.microsoft.com/office/powerpoint/2010/main">
-    <mc:Choice Requires="p14">
-      <p:transition spd="slow" p14:dur="3400" advTm="3000">
+  <mc:AlternateContent xmlns:mc="http://schemas.openxmlformats.org/markup-compatibility/2006">
+    <mc:Choice xmlns:p14="http://schemas.microsoft.com/office/powerpoint/2010/main" Requires="p14">
+      <p:transition spd="slow" p14:dur="3400">
         <p14:reveal/>
       </p:transition>
     </mc:Choice>
-    <mc:Fallback xmlns="">
-      <p:transition spd="slow" advTm="3000">
+    <mc:Fallback>
+      <p:transition spd="slow">
         <p:fade/>
       </p:transition>
     </mc:Fallback>
@@ -5752,14 +5752,14 @@
   <p:clrMapOvr>
     <a:masterClrMapping/>
   </p:clrMapOvr>
-  <mc:AlternateContent xmlns:mc="http://schemas.openxmlformats.org/markup-compatibility/2006" xmlns:p14="http://schemas.microsoft.com/office/powerpoint/2010/main">
-    <mc:Choice Requires="p14">
-      <p:transition spd="slow" p14:dur="3400" advTm="3000">
+  <mc:AlternateContent xmlns:mc="http://schemas.openxmlformats.org/markup-compatibility/2006">
+    <mc:Choice xmlns:p14="http://schemas.microsoft.com/office/powerpoint/2010/main" Requires="p14">
+      <p:transition spd="slow" p14:dur="3400">
         <p14:reveal/>
       </p:transition>
     </mc:Choice>
-    <mc:Fallback xmlns="">
-      <p:transition spd="slow" advTm="3000">
+    <mc:Fallback>
+      <p:transition spd="slow">
         <p:fade/>
       </p:transition>
     </mc:Fallback>
@@ -5866,14 +5866,14 @@
   <p:clrMapOvr>
     <a:masterClrMapping/>
   </p:clrMapOvr>
-  <mc:AlternateContent xmlns:mc="http://schemas.openxmlformats.org/markup-compatibility/2006" xmlns:p14="http://schemas.microsoft.com/office/powerpoint/2010/main">
-    <mc:Choice Requires="p14">
-      <p:transition spd="slow" p14:dur="3400" advTm="3000">
+  <mc:AlternateContent xmlns:mc="http://schemas.openxmlformats.org/markup-compatibility/2006">
+    <mc:Choice xmlns:p14="http://schemas.microsoft.com/office/powerpoint/2010/main" Requires="p14">
+      <p:transition spd="slow" p14:dur="3400">
         <p14:reveal/>
       </p:transition>
     </mc:Choice>
-    <mc:Fallback xmlns="">
-      <p:transition spd="slow" advTm="3000">
+    <mc:Fallback>
+      <p:transition spd="slow">
         <p:fade/>
       </p:transition>
     </mc:Fallback>
@@ -6014,14 +6014,14 @@
   <p:clrMapOvr>
     <a:masterClrMapping/>
   </p:clrMapOvr>
-  <mc:AlternateContent xmlns:mc="http://schemas.openxmlformats.org/markup-compatibility/2006" xmlns:p14="http://schemas.microsoft.com/office/powerpoint/2010/main">
-    <mc:Choice Requires="p14">
-      <p:transition spd="slow" p14:dur="3400" advTm="3000">
+  <mc:AlternateContent xmlns:mc="http://schemas.openxmlformats.org/markup-compatibility/2006">
+    <mc:Choice xmlns:p14="http://schemas.microsoft.com/office/powerpoint/2010/main" Requires="p14">
+      <p:transition spd="slow" p14:dur="3400">
         <p14:reveal/>
       </p:transition>
     </mc:Choice>
-    <mc:Fallback xmlns="">
-      <p:transition spd="slow" advTm="3000">
+    <mc:Fallback>
+      <p:transition spd="slow">
         <p:fade/>
       </p:transition>
     </mc:Fallback>
@@ -6128,14 +6128,14 @@
   <p:clrMapOvr>
     <a:masterClrMapping/>
   </p:clrMapOvr>
-  <mc:AlternateContent xmlns:mc="http://schemas.openxmlformats.org/markup-compatibility/2006" xmlns:p14="http://schemas.microsoft.com/office/powerpoint/2010/main">
-    <mc:Choice Requires="p14">
-      <p:transition spd="slow" p14:dur="3400" advTm="3000">
+  <mc:AlternateContent xmlns:mc="http://schemas.openxmlformats.org/markup-compatibility/2006">
+    <mc:Choice xmlns:p14="http://schemas.microsoft.com/office/powerpoint/2010/main" Requires="p14">
+      <p:transition spd="slow" p14:dur="3400">
         <p14:reveal/>
       </p:transition>
     </mc:Choice>
-    <mc:Fallback xmlns="">
-      <p:transition spd="slow" advTm="3000">
+    <mc:Fallback>
+      <p:transition spd="slow">
         <p:fade/>
       </p:transition>
     </mc:Fallback>
@@ -6218,7 +6218,13 @@
             </a:r>
             <a:r>
               <a:rPr lang="en-US" sz="2400" u="sng" dirty="0">
-                <a:hlinkClick r:id="rId2"/>
+                <a:hlinkClick r:id="rId2">
+                  <a:extLst>
+                    <a:ext uri="{A12FA001-AC4F-418D-AE19-62706E023703}">
+                      <ahyp:hlinkClr xmlns:ahyp="http://schemas.microsoft.com/office/drawing/2018/hyperlinkcolor" val="tx"/>
+                    </a:ext>
+                  </a:extLst>
+                </a:hlinkClick>
               </a:rPr>
               <a:t>word2vec</a:t>
             </a:r>
@@ -6332,14 +6338,14 @@
   <p:clrMapOvr>
     <a:masterClrMapping/>
   </p:clrMapOvr>
-  <mc:AlternateContent xmlns:mc="http://schemas.openxmlformats.org/markup-compatibility/2006" xmlns:p14="http://schemas.microsoft.com/office/powerpoint/2010/main">
-    <mc:Choice Requires="p14">
-      <p:transition spd="slow" p14:dur="3400" advTm="3000">
+  <mc:AlternateContent xmlns:mc="http://schemas.openxmlformats.org/markup-compatibility/2006">
+    <mc:Choice xmlns:p14="http://schemas.microsoft.com/office/powerpoint/2010/main" Requires="p14">
+      <p:transition spd="slow" p14:dur="3400">
         <p14:reveal/>
       </p:transition>
     </mc:Choice>
-    <mc:Fallback xmlns="">
-      <p:transition spd="slow" advTm="3000">
+    <mc:Fallback>
+      <p:transition spd="slow">
         <p:fade/>
       </p:transition>
     </mc:Fallback>
@@ -6456,14 +6462,14 @@
   <p:clrMapOvr>
     <a:masterClrMapping/>
   </p:clrMapOvr>
-  <mc:AlternateContent xmlns:mc="http://schemas.openxmlformats.org/markup-compatibility/2006" xmlns:p14="http://schemas.microsoft.com/office/powerpoint/2010/main">
-    <mc:Choice Requires="p14">
-      <p:transition spd="slow" p14:dur="3400" advTm="3000">
+  <mc:AlternateContent xmlns:mc="http://schemas.openxmlformats.org/markup-compatibility/2006">
+    <mc:Choice xmlns:p14="http://schemas.microsoft.com/office/powerpoint/2010/main" Requires="p14">
+      <p:transition spd="slow" p14:dur="3400">
         <p14:reveal/>
       </p:transition>
     </mc:Choice>
-    <mc:Fallback xmlns="">
-      <p:transition spd="slow" advTm="3000">
+    <mc:Fallback>
+      <p:transition spd="slow">
         <p:fade/>
       </p:transition>
     </mc:Fallback>
@@ -6580,14 +6586,14 @@
   <p:clrMapOvr>
     <a:masterClrMapping/>
   </p:clrMapOvr>
-  <mc:AlternateContent xmlns:mc="http://schemas.openxmlformats.org/markup-compatibility/2006" xmlns:p14="http://schemas.microsoft.com/office/powerpoint/2010/main">
-    <mc:Choice Requires="p14">
-      <p:transition spd="slow" p14:dur="3400" advTm="3000">
+  <mc:AlternateContent xmlns:mc="http://schemas.openxmlformats.org/markup-compatibility/2006">
+    <mc:Choice xmlns:p14="http://schemas.microsoft.com/office/powerpoint/2010/main" Requires="p14">
+      <p:transition spd="slow" p14:dur="3400">
         <p14:reveal/>
       </p:transition>
     </mc:Choice>
-    <mc:Fallback xmlns="">
-      <p:transition spd="slow" advTm="3000">
+    <mc:Fallback>
+      <p:transition spd="slow">
         <p:fade/>
       </p:transition>
     </mc:Fallback>
@@ -6704,14 +6710,14 @@
   <p:clrMapOvr>
     <a:masterClrMapping/>
   </p:clrMapOvr>
-  <mc:AlternateContent xmlns:mc="http://schemas.openxmlformats.org/markup-compatibility/2006" xmlns:p14="http://schemas.microsoft.com/office/powerpoint/2010/main">
-    <mc:Choice Requires="p14">
-      <p:transition spd="slow" p14:dur="3400" advTm="3000">
+  <mc:AlternateContent xmlns:mc="http://schemas.openxmlformats.org/markup-compatibility/2006">
+    <mc:Choice xmlns:p14="http://schemas.microsoft.com/office/powerpoint/2010/main" Requires="p14">
+      <p:transition spd="slow" p14:dur="3400">
         <p14:reveal/>
       </p:transition>
     </mc:Choice>
-    <mc:Fallback xmlns="">
-      <p:transition spd="slow" advTm="3000">
+    <mc:Fallback>
+      <p:transition spd="slow">
         <p:fade/>
       </p:transition>
     </mc:Fallback>
@@ -6758,7 +6764,7 @@
         </p:blipFill>
         <p:spPr>
           <a:xfrm>
-            <a:off x="0" y="0"/>
+            <a:off x="0" y="-9427"/>
             <a:ext cx="12192000" cy="6858000"/>
           </a:xfrm>
           <a:prstGeom prst="rect">
@@ -6828,14 +6834,14 @@
   <p:clrMapOvr>
     <a:masterClrMapping/>
   </p:clrMapOvr>
-  <mc:AlternateContent xmlns:mc="http://schemas.openxmlformats.org/markup-compatibility/2006" xmlns:p14="http://schemas.microsoft.com/office/powerpoint/2010/main">
-    <mc:Choice Requires="p14">
-      <p:transition spd="slow" p14:dur="3400" advTm="3000">
+  <mc:AlternateContent xmlns:mc="http://schemas.openxmlformats.org/markup-compatibility/2006">
+    <mc:Choice xmlns:p14="http://schemas.microsoft.com/office/powerpoint/2010/main" Requires="p14">
+      <p:transition spd="slow" p14:dur="3400">
         <p14:reveal/>
       </p:transition>
     </mc:Choice>
-    <mc:Fallback xmlns="">
-      <p:transition spd="slow" advTm="3000">
+    <mc:Fallback>
+      <p:transition spd="slow">
         <p:fade/>
       </p:transition>
     </mc:Fallback>
@@ -6988,14 +6994,14 @@
   <p:clrMapOvr>
     <a:masterClrMapping/>
   </p:clrMapOvr>
-  <mc:AlternateContent xmlns:mc="http://schemas.openxmlformats.org/markup-compatibility/2006" xmlns:p14="http://schemas.microsoft.com/office/powerpoint/2010/main">
-    <mc:Choice Requires="p14">
-      <p:transition spd="slow" p14:dur="3400" advTm="3000">
+  <mc:AlternateContent xmlns:mc="http://schemas.openxmlformats.org/markup-compatibility/2006">
+    <mc:Choice xmlns:p14="http://schemas.microsoft.com/office/powerpoint/2010/main" Requires="p14">
+      <p:transition spd="slow" p14:dur="3400">
         <p14:reveal/>
       </p:transition>
     </mc:Choice>
-    <mc:Fallback xmlns="">
-      <p:transition spd="slow" advTm="3000">
+    <mc:Fallback>
+      <p:transition spd="slow">
         <p:fade/>
       </p:transition>
     </mc:Fallback>
@@ -7090,14 +7096,14 @@
   <p:clrMapOvr>
     <a:masterClrMapping/>
   </p:clrMapOvr>
-  <mc:AlternateContent xmlns:mc="http://schemas.openxmlformats.org/markup-compatibility/2006" xmlns:p14="http://schemas.microsoft.com/office/powerpoint/2010/main">
-    <mc:Choice Requires="p14">
-      <p:transition spd="slow" p14:dur="3400" advTm="3000">
+  <mc:AlternateContent xmlns:mc="http://schemas.openxmlformats.org/markup-compatibility/2006">
+    <mc:Choice xmlns:p14="http://schemas.microsoft.com/office/powerpoint/2010/main" Requires="p14">
+      <p:transition spd="slow" p14:dur="3400">
         <p14:reveal/>
       </p:transition>
     </mc:Choice>
-    <mc:Fallback xmlns="">
-      <p:transition spd="slow" advTm="3000">
+    <mc:Fallback>
+      <p:transition spd="slow">
         <p:fade/>
       </p:transition>
     </mc:Fallback>
@@ -7218,14 +7224,14 @@
   <p:clrMapOvr>
     <a:masterClrMapping/>
   </p:clrMapOvr>
-  <mc:AlternateContent xmlns:mc="http://schemas.openxmlformats.org/markup-compatibility/2006" xmlns:p14="http://schemas.microsoft.com/office/powerpoint/2010/main">
-    <mc:Choice Requires="p14">
-      <p:transition spd="slow" p14:dur="3400" advTm="3000">
+  <mc:AlternateContent xmlns:mc="http://schemas.openxmlformats.org/markup-compatibility/2006">
+    <mc:Choice xmlns:p14="http://schemas.microsoft.com/office/powerpoint/2010/main" Requires="p14">
+      <p:transition spd="slow" p14:dur="3400">
         <p14:reveal/>
       </p:transition>
     </mc:Choice>
-    <mc:Fallback xmlns="">
-      <p:transition spd="slow" advTm="3000">
+    <mc:Fallback>
+      <p:transition spd="slow">
         <p:fade/>
       </p:transition>
     </mc:Fallback>
@@ -7364,14 +7370,14 @@
   <p:clrMapOvr>
     <a:masterClrMapping/>
   </p:clrMapOvr>
-  <mc:AlternateContent xmlns:mc="http://schemas.openxmlformats.org/markup-compatibility/2006" xmlns:p14="http://schemas.microsoft.com/office/powerpoint/2010/main">
-    <mc:Choice Requires="p14">
-      <p:transition spd="slow" p14:dur="3400" advTm="3000">
+  <mc:AlternateContent xmlns:mc="http://schemas.openxmlformats.org/markup-compatibility/2006">
+    <mc:Choice xmlns:p14="http://schemas.microsoft.com/office/powerpoint/2010/main" Requires="p14">
+      <p:transition spd="slow" p14:dur="3400">
         <p14:reveal/>
       </p:transition>
     </mc:Choice>
-    <mc:Fallback xmlns="">
-      <p:transition spd="slow" advTm="3000">
+    <mc:Fallback>
+      <p:transition spd="slow">
         <p:fade/>
       </p:transition>
     </mc:Fallback>
@@ -7560,14 +7566,14 @@
   <p:clrMapOvr>
     <a:masterClrMapping/>
   </p:clrMapOvr>
-  <mc:AlternateContent xmlns:mc="http://schemas.openxmlformats.org/markup-compatibility/2006" xmlns:p14="http://schemas.microsoft.com/office/powerpoint/2010/main">
-    <mc:Choice Requires="p14">
-      <p:transition spd="slow" p14:dur="3400" advTm="3000">
+  <mc:AlternateContent xmlns:mc="http://schemas.openxmlformats.org/markup-compatibility/2006">
+    <mc:Choice xmlns:p14="http://schemas.microsoft.com/office/powerpoint/2010/main" Requires="p14">
+      <p:transition spd="slow" p14:dur="3400">
         <p14:reveal/>
       </p:transition>
     </mc:Choice>
-    <mc:Fallback xmlns="">
-      <p:transition spd="slow" advTm="3000">
+    <mc:Fallback>
+      <p:transition spd="slow">
         <p:fade/>
       </p:transition>
     </mc:Fallback>
@@ -7754,14 +7760,14 @@
   <p:clrMapOvr>
     <a:masterClrMapping/>
   </p:clrMapOvr>
-  <mc:AlternateContent xmlns:mc="http://schemas.openxmlformats.org/markup-compatibility/2006" xmlns:p14="http://schemas.microsoft.com/office/powerpoint/2010/main">
-    <mc:Choice Requires="p14">
-      <p:transition spd="slow" p14:dur="3400" advTm="3000">
+  <mc:AlternateContent xmlns:mc="http://schemas.openxmlformats.org/markup-compatibility/2006">
+    <mc:Choice xmlns:p14="http://schemas.microsoft.com/office/powerpoint/2010/main" Requires="p14">
+      <p:transition spd="slow" p14:dur="3400">
         <p14:reveal/>
       </p:transition>
     </mc:Choice>
-    <mc:Fallback xmlns="">
-      <p:transition spd="slow" advTm="3000">
+    <mc:Fallback>
+      <p:transition spd="slow">
         <p:fade/>
       </p:transition>
     </mc:Fallback>
@@ -7836,14 +7842,14 @@
   <p:clrMapOvr>
     <a:masterClrMapping/>
   </p:clrMapOvr>
-  <mc:AlternateContent xmlns:mc="http://schemas.openxmlformats.org/markup-compatibility/2006" xmlns:p14="http://schemas.microsoft.com/office/powerpoint/2010/main">
-    <mc:Choice Requires="p14">
-      <p:transition spd="slow" p14:dur="3400" advTm="3000">
+  <mc:AlternateContent xmlns:mc="http://schemas.openxmlformats.org/markup-compatibility/2006">
+    <mc:Choice xmlns:p14="http://schemas.microsoft.com/office/powerpoint/2010/main" Requires="p14">
+      <p:transition spd="slow" p14:dur="3400">
         <p14:reveal/>
       </p:transition>
     </mc:Choice>
-    <mc:Fallback xmlns="">
-      <p:transition spd="slow" advTm="3000">
+    <mc:Fallback>
+      <p:transition spd="slow">
         <p:fade/>
       </p:transition>
     </mc:Fallback>
@@ -7991,14 +7997,14 @@
   <p:clrMapOvr>
     <a:masterClrMapping/>
   </p:clrMapOvr>
-  <mc:AlternateContent xmlns:mc="http://schemas.openxmlformats.org/markup-compatibility/2006" xmlns:p14="http://schemas.microsoft.com/office/powerpoint/2010/main">
-    <mc:Choice Requires="p14">
-      <p:transition spd="slow" p14:dur="3400" advTm="3000">
+  <mc:AlternateContent xmlns:mc="http://schemas.openxmlformats.org/markup-compatibility/2006">
+    <mc:Choice xmlns:p14="http://schemas.microsoft.com/office/powerpoint/2010/main" Requires="p14">
+      <p:transition spd="slow" p14:dur="3400">
         <p14:reveal/>
       </p:transition>
     </mc:Choice>
-    <mc:Fallback xmlns="">
-      <p:transition spd="slow" advTm="3000">
+    <mc:Fallback>
+      <p:transition spd="slow">
         <p:fade/>
       </p:transition>
     </mc:Fallback>
@@ -8099,14 +8105,14 @@
   <p:clrMapOvr>
     <a:masterClrMapping/>
   </p:clrMapOvr>
-  <mc:AlternateContent xmlns:mc="http://schemas.openxmlformats.org/markup-compatibility/2006" xmlns:p14="http://schemas.microsoft.com/office/powerpoint/2010/main">
-    <mc:Choice Requires="p14">
-      <p:transition spd="slow" p14:dur="3400" advTm="3000">
+  <mc:AlternateContent xmlns:mc="http://schemas.openxmlformats.org/markup-compatibility/2006">
+    <mc:Choice xmlns:p14="http://schemas.microsoft.com/office/powerpoint/2010/main" Requires="p14">
+      <p:transition spd="slow" p14:dur="3400">
         <p14:reveal/>
       </p:transition>
     </mc:Choice>
-    <mc:Fallback xmlns="">
-      <p:transition spd="slow" advTm="3000">
+    <mc:Fallback>
+      <p:transition spd="slow">
         <p:fade/>
       </p:transition>
     </mc:Fallback>
@@ -8277,14 +8283,14 @@
   <p:clrMapOvr>
     <a:masterClrMapping/>
   </p:clrMapOvr>
-  <mc:AlternateContent xmlns:mc="http://schemas.openxmlformats.org/markup-compatibility/2006" xmlns:p14="http://schemas.microsoft.com/office/powerpoint/2010/main">
-    <mc:Choice Requires="p14">
-      <p:transition spd="slow" p14:dur="3400" advTm="3000">
+  <mc:AlternateContent xmlns:mc="http://schemas.openxmlformats.org/markup-compatibility/2006">
+    <mc:Choice xmlns:p14="http://schemas.microsoft.com/office/powerpoint/2010/main" Requires="p14">
+      <p:transition spd="slow" p14:dur="3400">
         <p14:reveal/>
       </p:transition>
     </mc:Choice>
-    <mc:Fallback xmlns="">
-      <p:transition spd="slow" advTm="3000">
+    <mc:Fallback>
+      <p:transition spd="slow">
         <p:fade/>
       </p:transition>
     </mc:Fallback>
@@ -8389,14 +8395,14 @@
   <p:clrMapOvr>
     <a:masterClrMapping/>
   </p:clrMapOvr>
-  <mc:AlternateContent xmlns:mc="http://schemas.openxmlformats.org/markup-compatibility/2006" xmlns:p14="http://schemas.microsoft.com/office/powerpoint/2010/main">
-    <mc:Choice Requires="p14">
-      <p:transition spd="slow" p14:dur="3400" advTm="3000">
+  <mc:AlternateContent xmlns:mc="http://schemas.openxmlformats.org/markup-compatibility/2006">
+    <mc:Choice xmlns:p14="http://schemas.microsoft.com/office/powerpoint/2010/main" Requires="p14">
+      <p:transition spd="slow" p14:dur="3400">
         <p14:reveal/>
       </p:transition>
     </mc:Choice>
-    <mc:Fallback xmlns="">
-      <p:transition spd="slow" advTm="3000">
+    <mc:Fallback>
+      <p:transition spd="slow">
         <p:fade/>
       </p:transition>
     </mc:Fallback>
@@ -8572,14 +8578,14 @@
   <p:clrMapOvr>
     <a:masterClrMapping/>
   </p:clrMapOvr>
-  <mc:AlternateContent xmlns:mc="http://schemas.openxmlformats.org/markup-compatibility/2006" xmlns:p14="http://schemas.microsoft.com/office/powerpoint/2010/main">
-    <mc:Choice Requires="p14">
-      <p:transition spd="slow" p14:dur="3400" advTm="3000">
+  <mc:AlternateContent xmlns:mc="http://schemas.openxmlformats.org/markup-compatibility/2006">
+    <mc:Choice xmlns:p14="http://schemas.microsoft.com/office/powerpoint/2010/main" Requires="p14">
+      <p:transition spd="slow" p14:dur="3400">
         <p14:reveal/>
       </p:transition>
     </mc:Choice>
-    <mc:Fallback xmlns="">
-      <p:transition spd="slow" advTm="3000">
+    <mc:Fallback>
+      <p:transition spd="slow">
         <p:fade/>
       </p:transition>
     </mc:Fallback>
@@ -8686,14 +8692,14 @@
   <p:clrMapOvr>
     <a:masterClrMapping/>
   </p:clrMapOvr>
-  <mc:AlternateContent xmlns:mc="http://schemas.openxmlformats.org/markup-compatibility/2006" xmlns:p14="http://schemas.microsoft.com/office/powerpoint/2010/main">
-    <mc:Choice Requires="p14">
-      <p:transition spd="slow" p14:dur="3400" advTm="3000">
+  <mc:AlternateContent xmlns:mc="http://schemas.openxmlformats.org/markup-compatibility/2006">
+    <mc:Choice xmlns:p14="http://schemas.microsoft.com/office/powerpoint/2010/main" Requires="p14">
+      <p:transition spd="slow" p14:dur="3400">
         <p14:reveal/>
       </p:transition>
     </mc:Choice>
-    <mc:Fallback xmlns="">
-      <p:transition spd="slow" advTm="3000">
+    <mc:Fallback>
+      <p:transition spd="slow">
         <p:fade/>
       </p:transition>
     </mc:Fallback>
@@ -8829,14 +8835,14 @@
   <p:clrMapOvr>
     <a:masterClrMapping/>
   </p:clrMapOvr>
-  <mc:AlternateContent xmlns:mc="http://schemas.openxmlformats.org/markup-compatibility/2006" xmlns:p14="http://schemas.microsoft.com/office/powerpoint/2010/main">
-    <mc:Choice Requires="p14">
-      <p:transition spd="slow" p14:dur="3400" advTm="3000">
+  <mc:AlternateContent xmlns:mc="http://schemas.openxmlformats.org/markup-compatibility/2006">
+    <mc:Choice xmlns:p14="http://schemas.microsoft.com/office/powerpoint/2010/main" Requires="p14">
+      <p:transition spd="slow" p14:dur="3400">
         <p14:reveal/>
       </p:transition>
     </mc:Choice>
-    <mc:Fallback xmlns="">
-      <p:transition spd="slow" advTm="3000">
+    <mc:Fallback>
+      <p:transition spd="slow">
         <p:fade/>
       </p:transition>
     </mc:Fallback>
@@ -9007,14 +9013,14 @@
   <p:clrMapOvr>
     <a:masterClrMapping/>
   </p:clrMapOvr>
-  <mc:AlternateContent xmlns:mc="http://schemas.openxmlformats.org/markup-compatibility/2006" xmlns:p14="http://schemas.microsoft.com/office/powerpoint/2010/main">
-    <mc:Choice Requires="p14">
-      <p:transition spd="slow" p14:dur="3400" advTm="3000">
+  <mc:AlternateContent xmlns:mc="http://schemas.openxmlformats.org/markup-compatibility/2006">
+    <mc:Choice xmlns:p14="http://schemas.microsoft.com/office/powerpoint/2010/main" Requires="p14">
+      <p:transition spd="slow" p14:dur="3400">
         <p14:reveal/>
       </p:transition>
     </mc:Choice>
-    <mc:Fallback xmlns="">
-      <p:transition spd="slow" advTm="3000">
+    <mc:Fallback>
+      <p:transition spd="slow">
         <p:fade/>
       </p:transition>
     </mc:Fallback>
@@ -9130,14 +9136,14 @@
   <p:clrMapOvr>
     <a:masterClrMapping/>
   </p:clrMapOvr>
-  <mc:AlternateContent xmlns:mc="http://schemas.openxmlformats.org/markup-compatibility/2006" xmlns:p14="http://schemas.microsoft.com/office/powerpoint/2010/main">
-    <mc:Choice Requires="p14">
-      <p:transition spd="slow" p14:dur="3400" advTm="3000">
+  <mc:AlternateContent xmlns:mc="http://schemas.openxmlformats.org/markup-compatibility/2006">
+    <mc:Choice xmlns:p14="http://schemas.microsoft.com/office/powerpoint/2010/main" Requires="p14">
+      <p:transition spd="slow" p14:dur="3400">
         <p14:reveal/>
       </p:transition>
     </mc:Choice>
-    <mc:Fallback xmlns="">
-      <p:transition spd="slow" advTm="3000">
+    <mc:Fallback>
+      <p:transition spd="slow">
         <p:fade/>
       </p:transition>
     </mc:Fallback>
@@ -9306,14 +9312,14 @@
   <p:clrMapOvr>
     <a:masterClrMapping/>
   </p:clrMapOvr>
-  <mc:AlternateContent xmlns:mc="http://schemas.openxmlformats.org/markup-compatibility/2006" xmlns:p14="http://schemas.microsoft.com/office/powerpoint/2010/main">
-    <mc:Choice Requires="p14">
-      <p:transition spd="slow" p14:dur="3400" advTm="3000">
+  <mc:AlternateContent xmlns:mc="http://schemas.openxmlformats.org/markup-compatibility/2006">
+    <mc:Choice xmlns:p14="http://schemas.microsoft.com/office/powerpoint/2010/main" Requires="p14">
+      <p:transition spd="slow" p14:dur="3400">
         <p14:reveal/>
       </p:transition>
     </mc:Choice>
-    <mc:Fallback xmlns="">
-      <p:transition spd="slow" advTm="3000">
+    <mc:Fallback>
+      <p:transition spd="slow">
         <p:fade/>
       </p:transition>
     </mc:Fallback>
@@ -9432,14 +9438,14 @@
   <p:clrMapOvr>
     <a:masterClrMapping/>
   </p:clrMapOvr>
-  <mc:AlternateContent xmlns:mc="http://schemas.openxmlformats.org/markup-compatibility/2006" xmlns:p14="http://schemas.microsoft.com/office/powerpoint/2010/main">
-    <mc:Choice Requires="p14">
-      <p:transition spd="slow" p14:dur="3400" advTm="3000">
+  <mc:AlternateContent xmlns:mc="http://schemas.openxmlformats.org/markup-compatibility/2006">
+    <mc:Choice xmlns:p14="http://schemas.microsoft.com/office/powerpoint/2010/main" Requires="p14">
+      <p:transition spd="slow" p14:dur="3400">
         <p14:reveal/>
       </p:transition>
     </mc:Choice>
-    <mc:Fallback xmlns="">
-      <p:transition spd="slow" advTm="3000">
+    <mc:Fallback>
+      <p:transition spd="slow">
         <p:fade/>
       </p:transition>
     </mc:Fallback>
@@ -9619,14 +9625,14 @@
   <p:clrMapOvr>
     <a:masterClrMapping/>
   </p:clrMapOvr>
-  <mc:AlternateContent xmlns:mc="http://schemas.openxmlformats.org/markup-compatibility/2006" xmlns:p14="http://schemas.microsoft.com/office/powerpoint/2010/main">
-    <mc:Choice Requires="p14">
-      <p:transition spd="slow" p14:dur="3400" advTm="3000">
+  <mc:AlternateContent xmlns:mc="http://schemas.openxmlformats.org/markup-compatibility/2006">
+    <mc:Choice xmlns:p14="http://schemas.microsoft.com/office/powerpoint/2010/main" Requires="p14">
+      <p:transition spd="slow" p14:dur="3400">
         <p14:reveal/>
       </p:transition>
     </mc:Choice>
-    <mc:Fallback xmlns="">
-      <p:transition spd="slow" advTm="3000">
+    <mc:Fallback>
+      <p:transition spd="slow">
         <p:fade/>
       </p:transition>
     </mc:Fallback>
@@ -9737,14 +9743,14 @@
   <p:clrMapOvr>
     <a:masterClrMapping/>
   </p:clrMapOvr>
-  <mc:AlternateContent xmlns:mc="http://schemas.openxmlformats.org/markup-compatibility/2006" xmlns:p14="http://schemas.microsoft.com/office/powerpoint/2010/main">
-    <mc:Choice Requires="p14">
-      <p:transition spd="slow" p14:dur="3400" advTm="3000">
+  <mc:AlternateContent xmlns:mc="http://schemas.openxmlformats.org/markup-compatibility/2006">
+    <mc:Choice xmlns:p14="http://schemas.microsoft.com/office/powerpoint/2010/main" Requires="p14">
+      <p:transition spd="slow" p14:dur="3400">
         <p14:reveal/>
       </p:transition>
     </mc:Choice>
-    <mc:Fallback xmlns="">
-      <p:transition spd="slow" advTm="3000">
+    <mc:Fallback>
+      <p:transition spd="slow">
         <p:fade/>
       </p:transition>
     </mc:Fallback>
@@ -9874,14 +9880,14 @@
   <p:clrMapOvr>
     <a:masterClrMapping/>
   </p:clrMapOvr>
-  <mc:AlternateContent xmlns:mc="http://schemas.openxmlformats.org/markup-compatibility/2006" xmlns:p14="http://schemas.microsoft.com/office/powerpoint/2010/main">
-    <mc:Choice Requires="p14">
-      <p:transition spd="slow" p14:dur="3400" advTm="3000">
+  <mc:AlternateContent xmlns:mc="http://schemas.openxmlformats.org/markup-compatibility/2006">
+    <mc:Choice xmlns:p14="http://schemas.microsoft.com/office/powerpoint/2010/main" Requires="p14">
+      <p:transition spd="slow" p14:dur="3400">
         <p14:reveal/>
       </p:transition>
     </mc:Choice>
-    <mc:Fallback xmlns="">
-      <p:transition spd="slow" advTm="3000">
+    <mc:Fallback>
+      <p:transition spd="slow">
         <p:fade/>
       </p:transition>
     </mc:Fallback>
@@ -10008,14 +10014,14 @@
   <p:clrMapOvr>
     <a:masterClrMapping/>
   </p:clrMapOvr>
-  <mc:AlternateContent xmlns:mc="http://schemas.openxmlformats.org/markup-compatibility/2006" xmlns:p14="http://schemas.microsoft.com/office/powerpoint/2010/main">
-    <mc:Choice Requires="p14">
-      <p:transition spd="slow" p14:dur="3400" advTm="3000">
+  <mc:AlternateContent xmlns:mc="http://schemas.openxmlformats.org/markup-compatibility/2006">
+    <mc:Choice xmlns:p14="http://schemas.microsoft.com/office/powerpoint/2010/main" Requires="p14">
+      <p:transition spd="slow" p14:dur="3400">
         <p14:reveal/>
       </p:transition>
     </mc:Choice>
-    <mc:Fallback xmlns="">
-      <p:transition spd="slow" advTm="3000">
+    <mc:Fallback>
+      <p:transition spd="slow">
         <p:fade/>
       </p:transition>
     </mc:Fallback>
@@ -10145,14 +10151,14 @@
   <p:clrMapOvr>
     <a:masterClrMapping/>
   </p:clrMapOvr>
-  <mc:AlternateContent xmlns:mc="http://schemas.openxmlformats.org/markup-compatibility/2006" xmlns:p14="http://schemas.microsoft.com/office/powerpoint/2010/main">
-    <mc:Choice Requires="p14">
-      <p:transition spd="slow" p14:dur="3400" advTm="3000">
+  <mc:AlternateContent xmlns:mc="http://schemas.openxmlformats.org/markup-compatibility/2006">
+    <mc:Choice xmlns:p14="http://schemas.microsoft.com/office/powerpoint/2010/main" Requires="p14">
+      <p:transition spd="slow" p14:dur="3400">
         <p14:reveal/>
       </p:transition>
     </mc:Choice>
-    <mc:Fallback xmlns="">
-      <p:transition spd="slow" advTm="3000">
+    <mc:Fallback>
+      <p:transition spd="slow">
         <p:fade/>
       </p:transition>
     </mc:Fallback>
@@ -10256,14 +10262,14 @@
   <p:clrMapOvr>
     <a:masterClrMapping/>
   </p:clrMapOvr>
-  <mc:AlternateContent xmlns:mc="http://schemas.openxmlformats.org/markup-compatibility/2006" xmlns:p14="http://schemas.microsoft.com/office/powerpoint/2010/main">
-    <mc:Choice Requires="p14">
-      <p:transition spd="slow" p14:dur="3400" advTm="3000">
+  <mc:AlternateContent xmlns:mc="http://schemas.openxmlformats.org/markup-compatibility/2006">
+    <mc:Choice xmlns:p14="http://schemas.microsoft.com/office/powerpoint/2010/main" Requires="p14">
+      <p:transition spd="slow" p14:dur="3400">
         <p14:reveal/>
       </p:transition>
     </mc:Choice>
-    <mc:Fallback xmlns="">
-      <p:transition spd="slow" advTm="3000">
+    <mc:Fallback>
+      <p:transition spd="slow">
         <p:fade/>
       </p:transition>
     </mc:Fallback>
@@ -10401,14 +10407,14 @@
   <p:clrMapOvr>
     <a:masterClrMapping/>
   </p:clrMapOvr>
-  <mc:AlternateContent xmlns:mc="http://schemas.openxmlformats.org/markup-compatibility/2006" xmlns:p14="http://schemas.microsoft.com/office/powerpoint/2010/main">
-    <mc:Choice Requires="p14">
-      <p:transition spd="slow" p14:dur="3400" advTm="3000">
+  <mc:AlternateContent xmlns:mc="http://schemas.openxmlformats.org/markup-compatibility/2006">
+    <mc:Choice xmlns:p14="http://schemas.microsoft.com/office/powerpoint/2010/main" Requires="p14">
+      <p:transition spd="slow" p14:dur="3400">
         <p14:reveal/>
       </p:transition>
     </mc:Choice>
-    <mc:Fallback xmlns="">
-      <p:transition spd="slow" advTm="3000">
+    <mc:Fallback>
+      <p:transition spd="slow">
         <p:fade/>
       </p:transition>
     </mc:Fallback>
@@ -10507,14 +10513,14 @@
   <p:clrMapOvr>
     <a:masterClrMapping/>
   </p:clrMapOvr>
-  <mc:AlternateContent xmlns:mc="http://schemas.openxmlformats.org/markup-compatibility/2006" xmlns:p14="http://schemas.microsoft.com/office/powerpoint/2010/main">
-    <mc:Choice Requires="p14">
-      <p:transition spd="slow" p14:dur="3400" advTm="3000">
+  <mc:AlternateContent xmlns:mc="http://schemas.openxmlformats.org/markup-compatibility/2006">
+    <mc:Choice xmlns:p14="http://schemas.microsoft.com/office/powerpoint/2010/main" Requires="p14">
+      <p:transition spd="slow" p14:dur="3400">
         <p14:reveal/>
       </p:transition>
     </mc:Choice>
-    <mc:Fallback xmlns="">
-      <p:transition spd="slow" advTm="3000">
+    <mc:Fallback>
+      <p:transition spd="slow">
         <p:fade/>
       </p:transition>
     </mc:Fallback>
@@ -10631,14 +10637,14 @@
   <p:clrMapOvr>
     <a:masterClrMapping/>
   </p:clrMapOvr>
-  <mc:AlternateContent xmlns:mc="http://schemas.openxmlformats.org/markup-compatibility/2006" xmlns:p14="http://schemas.microsoft.com/office/powerpoint/2010/main">
-    <mc:Choice Requires="p14">
-      <p:transition spd="slow" p14:dur="3400" advTm="3000">
+  <mc:AlternateContent xmlns:mc="http://schemas.openxmlformats.org/markup-compatibility/2006">
+    <mc:Choice xmlns:p14="http://schemas.microsoft.com/office/powerpoint/2010/main" Requires="p14">
+      <p:transition spd="slow" p14:dur="3400">
         <p14:reveal/>
       </p:transition>
     </mc:Choice>
-    <mc:Fallback xmlns="">
-      <p:transition spd="slow" advTm="3000">
+    <mc:Fallback>
+      <p:transition spd="slow">
         <p:fade/>
       </p:transition>
     </mc:Fallback>
@@ -10747,14 +10753,14 @@
   <p:clrMapOvr>
     <a:masterClrMapping/>
   </p:clrMapOvr>
-  <mc:AlternateContent xmlns:mc="http://schemas.openxmlformats.org/markup-compatibility/2006" xmlns:p14="http://schemas.microsoft.com/office/powerpoint/2010/main">
-    <mc:Choice Requires="p14">
-      <p:transition spd="slow" p14:dur="3400" advTm="3000">
+  <mc:AlternateContent xmlns:mc="http://schemas.openxmlformats.org/markup-compatibility/2006">
+    <mc:Choice xmlns:p14="http://schemas.microsoft.com/office/powerpoint/2010/main" Requires="p14">
+      <p:transition spd="slow" p14:dur="3400">
         <p14:reveal/>
       </p:transition>
     </mc:Choice>
-    <mc:Fallback xmlns="">
-      <p:transition spd="slow" advTm="3000">
+    <mc:Fallback>
+      <p:transition spd="slow">
         <p:fade/>
       </p:transition>
     </mc:Fallback>
@@ -10832,14 +10838,14 @@
   <p:clrMapOvr>
     <a:masterClrMapping/>
   </p:clrMapOvr>
-  <mc:AlternateContent xmlns:mc="http://schemas.openxmlformats.org/markup-compatibility/2006" xmlns:p14="http://schemas.microsoft.com/office/powerpoint/2010/main">
-    <mc:Choice Requires="p14">
-      <p:transition spd="slow" p14:dur="3400" advTm="3000">
+  <mc:AlternateContent xmlns:mc="http://schemas.openxmlformats.org/markup-compatibility/2006">
+    <mc:Choice xmlns:p14="http://schemas.microsoft.com/office/powerpoint/2010/main" Requires="p14">
+      <p:transition spd="slow" p14:dur="3400">
         <p14:reveal/>
       </p:transition>
     </mc:Choice>
-    <mc:Fallback xmlns="">
-      <p:transition spd="slow" advTm="3000">
+    <mc:Fallback>
+      <p:transition spd="slow">
         <p:fade/>
       </p:transition>
     </mc:Fallback>
@@ -10911,14 +10917,14 @@
   <p:clrMapOvr>
     <a:masterClrMapping/>
   </p:clrMapOvr>
-  <mc:AlternateContent xmlns:mc="http://schemas.openxmlformats.org/markup-compatibility/2006" xmlns:p14="http://schemas.microsoft.com/office/powerpoint/2010/main">
-    <mc:Choice Requires="p14">
-      <p:transition spd="slow" p14:dur="3400" advTm="3000">
+  <mc:AlternateContent xmlns:mc="http://schemas.openxmlformats.org/markup-compatibility/2006">
+    <mc:Choice xmlns:p14="http://schemas.microsoft.com/office/powerpoint/2010/main" Requires="p14">
+      <p:transition spd="slow" p14:dur="3400">
         <p14:reveal/>
       </p:transition>
     </mc:Choice>
-    <mc:Fallback xmlns="">
-      <p:transition spd="slow" advTm="3000">
+    <mc:Fallback>
+      <p:transition spd="slow">
         <p:fade/>
       </p:transition>
     </mc:Fallback>
@@ -11040,14 +11046,14 @@
   <p:clrMapOvr>
     <a:masterClrMapping/>
   </p:clrMapOvr>
-  <mc:AlternateContent xmlns:mc="http://schemas.openxmlformats.org/markup-compatibility/2006" xmlns:p14="http://schemas.microsoft.com/office/powerpoint/2010/main">
-    <mc:Choice Requires="p14">
-      <p:transition spd="slow" p14:dur="3400" advTm="3000">
+  <mc:AlternateContent xmlns:mc="http://schemas.openxmlformats.org/markup-compatibility/2006">
+    <mc:Choice xmlns:p14="http://schemas.microsoft.com/office/powerpoint/2010/main" Requires="p14">
+      <p:transition spd="slow" p14:dur="3400">
         <p14:reveal/>
       </p:transition>
     </mc:Choice>
-    <mc:Fallback xmlns="">
-      <p:transition spd="slow" advTm="3000">
+    <mc:Fallback>
+      <p:transition spd="slow">
         <p:fade/>
       </p:transition>
     </mc:Fallback>
@@ -11180,14 +11186,14 @@
   <p:clrMapOvr>
     <a:masterClrMapping/>
   </p:clrMapOvr>
-  <mc:AlternateContent xmlns:mc="http://schemas.openxmlformats.org/markup-compatibility/2006" xmlns:p14="http://schemas.microsoft.com/office/powerpoint/2010/main">
-    <mc:Choice Requires="p14">
-      <p:transition spd="slow" p14:dur="3400" advTm="3000">
+  <mc:AlternateContent xmlns:mc="http://schemas.openxmlformats.org/markup-compatibility/2006">
+    <mc:Choice xmlns:p14="http://schemas.microsoft.com/office/powerpoint/2010/main" Requires="p14">
+      <p:transition spd="slow" p14:dur="3400">
         <p14:reveal/>
       </p:transition>
     </mc:Choice>
-    <mc:Fallback xmlns="">
-      <p:transition spd="slow" advTm="3000">
+    <mc:Fallback>
+      <p:transition spd="slow">
         <p:fade/>
       </p:transition>
     </mc:Fallback>
@@ -11308,14 +11314,14 @@
   <p:clrMapOvr>
     <a:masterClrMapping/>
   </p:clrMapOvr>
-  <mc:AlternateContent xmlns:mc="http://schemas.openxmlformats.org/markup-compatibility/2006" xmlns:p14="http://schemas.microsoft.com/office/powerpoint/2010/main">
-    <mc:Choice Requires="p14">
-      <p:transition spd="slow" p14:dur="3400" advTm="3000">
+  <mc:AlternateContent xmlns:mc="http://schemas.openxmlformats.org/markup-compatibility/2006">
+    <mc:Choice xmlns:p14="http://schemas.microsoft.com/office/powerpoint/2010/main" Requires="p14">
+      <p:transition spd="slow" p14:dur="3400">
         <p14:reveal/>
       </p:transition>
     </mc:Choice>
-    <mc:Fallback xmlns="">
-      <p:transition spd="slow" advTm="3000">
+    <mc:Fallback>
+      <p:transition spd="slow">
         <p:fade/>
       </p:transition>
     </mc:Fallback>
@@ -11455,14 +11461,14 @@
   <p:clrMapOvr>
     <a:masterClrMapping/>
   </p:clrMapOvr>
-  <mc:AlternateContent xmlns:mc="http://schemas.openxmlformats.org/markup-compatibility/2006" xmlns:p14="http://schemas.microsoft.com/office/powerpoint/2010/main">
-    <mc:Choice Requires="p14">
-      <p:transition spd="slow" p14:dur="3400" advTm="3000">
+  <mc:AlternateContent xmlns:mc="http://schemas.openxmlformats.org/markup-compatibility/2006">
+    <mc:Choice xmlns:p14="http://schemas.microsoft.com/office/powerpoint/2010/main" Requires="p14">
+      <p:transition spd="slow" p14:dur="3400">
         <p14:reveal/>
       </p:transition>
     </mc:Choice>
-    <mc:Fallback xmlns="">
-      <p:transition spd="slow" advTm="3000">
+    <mc:Fallback>
+      <p:transition spd="slow">
         <p:fade/>
       </p:transition>
     </mc:Fallback>
